--- a/notes/Cos_explore.pptx
+++ b/notes/Cos_explore.pptx
@@ -8,7 +8,8 @@
     <p:sldId id="256" r:id="rId2"/>
     <p:sldId id="257" r:id="rId3"/>
     <p:sldId id="258" r:id="rId4"/>
-    <p:sldId id="259" r:id="rId5"/>
+    <p:sldId id="260" r:id="rId5"/>
+    <p:sldId id="259" r:id="rId6"/>
   </p:sldIdLst>
   <p:sldSz cx="12192000" cy="6858000"/>
   <p:notesSz cx="6858000" cy="9144000"/>
@@ -113,7 +114,7 @@
 <file path=ppt/revisionInfo.xml><?xml version="1.0" encoding="utf-8"?>
 <p1510:revInfo xmlns:a="http://schemas.openxmlformats.org/drawingml/2006/main" xmlns:r="http://schemas.openxmlformats.org/officeDocument/2006/relationships" xmlns:p1510="http://schemas.microsoft.com/office/powerpoint/2015/10/main">
   <p1510:revLst>
-    <p1510:client id="{34C67138-FF33-4FD7-973A-30A8217B406E}" v="34" dt="2021-11-16T01:00:33.517"/>
+    <p1510:client id="{34C67138-FF33-4FD7-973A-30A8217B406E}" v="55" dt="2021-11-16T01:30:19.512"/>
   </p1510:revLst>
 </p1510:revInfo>
 </file>
@@ -123,7 +124,7 @@
   <pc:docChgLst>
     <pc:chgData name="Katie Johnston" userId="a8803450-7667-44c1-ac00-9653f319424f" providerId="ADAL" clId="{34C67138-FF33-4FD7-973A-30A8217B406E}"/>
     <pc:docChg chg="custSel addSld modSld">
-      <pc:chgData name="Katie Johnston" userId="a8803450-7667-44c1-ac00-9653f319424f" providerId="ADAL" clId="{34C67138-FF33-4FD7-973A-30A8217B406E}" dt="2021-11-16T01:00:33.516" v="178" actId="1076"/>
+      <pc:chgData name="Katie Johnston" userId="a8803450-7667-44c1-ac00-9653f319424f" providerId="ADAL" clId="{34C67138-FF33-4FD7-973A-30A8217B406E}" dt="2021-11-16T01:30:19.511" v="234" actId="1076"/>
       <pc:docMkLst>
         <pc:docMk/>
       </pc:docMkLst>
@@ -283,6 +284,77 @@
           <pc:docMk/>
           <pc:sldMk cId="3155053315" sldId="259"/>
         </pc:sldMkLst>
+      </pc:sldChg>
+      <pc:sldChg chg="addSp delSp modSp new mod">
+        <pc:chgData name="Katie Johnston" userId="a8803450-7667-44c1-ac00-9653f319424f" providerId="ADAL" clId="{34C67138-FF33-4FD7-973A-30A8217B406E}" dt="2021-11-16T01:30:19.511" v="234" actId="1076"/>
+        <pc:sldMkLst>
+          <pc:docMk/>
+          <pc:sldMk cId="2932750998" sldId="260"/>
+        </pc:sldMkLst>
+        <pc:spChg chg="mod">
+          <ac:chgData name="Katie Johnston" userId="a8803450-7667-44c1-ac00-9653f319424f" providerId="ADAL" clId="{34C67138-FF33-4FD7-973A-30A8217B406E}" dt="2021-11-16T01:26:14.999" v="215" actId="1076"/>
+          <ac:spMkLst>
+            <pc:docMk/>
+            <pc:sldMk cId="2932750998" sldId="260"/>
+            <ac:spMk id="2" creationId="{D1D88D7E-832D-4B5E-BCC2-E586D02A3118}"/>
+          </ac:spMkLst>
+        </pc:spChg>
+        <pc:spChg chg="del">
+          <ac:chgData name="Katie Johnston" userId="a8803450-7667-44c1-ac00-9653f319424f" providerId="ADAL" clId="{34C67138-FF33-4FD7-973A-30A8217B406E}" dt="2021-11-16T01:26:17.299" v="216" actId="478"/>
+          <ac:spMkLst>
+            <pc:docMk/>
+            <pc:sldMk cId="2932750998" sldId="260"/>
+            <ac:spMk id="3" creationId="{60DD626F-18E3-41F8-9147-3F2B5AD66E1E}"/>
+          </ac:spMkLst>
+        </pc:spChg>
+        <pc:picChg chg="add mod">
+          <ac:chgData name="Katie Johnston" userId="a8803450-7667-44c1-ac00-9653f319424f" providerId="ADAL" clId="{34C67138-FF33-4FD7-973A-30A8217B406E}" dt="2021-11-16T01:30:10.413" v="230" actId="1076"/>
+          <ac:picMkLst>
+            <pc:docMk/>
+            <pc:sldMk cId="2932750998" sldId="260"/>
+            <ac:picMk id="3074" creationId="{9CFD6E10-F211-44C8-AA63-A91FCE9477BE}"/>
+          </ac:picMkLst>
+        </pc:picChg>
+        <pc:picChg chg="add mod">
+          <ac:chgData name="Katie Johnston" userId="a8803450-7667-44c1-ac00-9653f319424f" providerId="ADAL" clId="{34C67138-FF33-4FD7-973A-30A8217B406E}" dt="2021-11-16T01:30:12.282" v="231" actId="1076"/>
+          <ac:picMkLst>
+            <pc:docMk/>
+            <pc:sldMk cId="2932750998" sldId="260"/>
+            <ac:picMk id="3076" creationId="{44AD2A31-1A8B-4C47-88A9-BC891243D2F7}"/>
+          </ac:picMkLst>
+        </pc:picChg>
+        <pc:picChg chg="add mod">
+          <ac:chgData name="Katie Johnston" userId="a8803450-7667-44c1-ac00-9653f319424f" providerId="ADAL" clId="{34C67138-FF33-4FD7-973A-30A8217B406E}" dt="2021-11-16T01:30:14.350" v="232" actId="1076"/>
+          <ac:picMkLst>
+            <pc:docMk/>
+            <pc:sldMk cId="2932750998" sldId="260"/>
+            <ac:picMk id="3078" creationId="{EEFCC4A7-6CCF-4744-9798-5B07CAD5DA12}"/>
+          </ac:picMkLst>
+        </pc:picChg>
+        <pc:picChg chg="add mod">
+          <ac:chgData name="Katie Johnston" userId="a8803450-7667-44c1-ac00-9653f319424f" providerId="ADAL" clId="{34C67138-FF33-4FD7-973A-30A8217B406E}" dt="2021-11-16T01:30:16.643" v="233" actId="1076"/>
+          <ac:picMkLst>
+            <pc:docMk/>
+            <pc:sldMk cId="2932750998" sldId="260"/>
+            <ac:picMk id="3080" creationId="{A76A8026-8750-4EE0-BFAD-2A5CCF5FA600}"/>
+          </ac:picMkLst>
+        </pc:picChg>
+        <pc:picChg chg="add mod">
+          <ac:chgData name="Katie Johnston" userId="a8803450-7667-44c1-ac00-9653f319424f" providerId="ADAL" clId="{34C67138-FF33-4FD7-973A-30A8217B406E}" dt="2021-11-16T01:30:19.511" v="234" actId="1076"/>
+          <ac:picMkLst>
+            <pc:docMk/>
+            <pc:sldMk cId="2932750998" sldId="260"/>
+            <ac:picMk id="3082" creationId="{266C4027-61EB-4102-BA8C-0478D8A0AE90}"/>
+          </ac:picMkLst>
+        </pc:picChg>
+        <pc:picChg chg="add mod">
+          <ac:chgData name="Katie Johnston" userId="a8803450-7667-44c1-ac00-9653f319424f" providerId="ADAL" clId="{34C67138-FF33-4FD7-973A-30A8217B406E}" dt="2021-11-16T01:29:57.221" v="224" actId="1076"/>
+          <ac:picMkLst>
+            <pc:docMk/>
+            <pc:sldMk cId="2932750998" sldId="260"/>
+            <ac:picMk id="3084" creationId="{3C3506A0-27A3-4103-BAC2-371343F638B3}"/>
+          </ac:picMkLst>
+        </pc:picChg>
       </pc:sldChg>
     </pc:docChg>
   </pc:docChgLst>
@@ -4160,6 +4232,346 @@
           <p:cNvPr id="2" name="Title 1">
             <a:extLst>
               <a:ext uri="{FF2B5EF4-FFF2-40B4-BE49-F238E27FC236}">
+                <a16:creationId xmlns:a16="http://schemas.microsoft.com/office/drawing/2014/main" id="{D1D88D7E-832D-4B5E-BCC2-E586D02A3118}"/>
+              </a:ext>
+            </a:extLst>
+          </p:cNvPr>
+          <p:cNvSpPr>
+            <a:spLocks noGrp="1"/>
+          </p:cNvSpPr>
+          <p:nvPr>
+            <p:ph type="title"/>
+          </p:nvPr>
+        </p:nvSpPr>
+        <p:spPr/>
+        <p:txBody>
+          <a:bodyPr/>
+          <a:lstStyle/>
+          <a:p>
+            <a:r>
+              <a:rPr lang="en-US" dirty="0"/>
+              <a:t>Cos(x) + cos(2x) + cos(4x)</a:t>
+            </a:r>
+          </a:p>
+        </p:txBody>
+      </p:sp>
+      <p:pic>
+        <p:nvPicPr>
+          <p:cNvPr id="3074" name="Picture 2">
+            <a:extLst>
+              <a:ext uri="{FF2B5EF4-FFF2-40B4-BE49-F238E27FC236}">
+                <a16:creationId xmlns:a16="http://schemas.microsoft.com/office/drawing/2014/main" id="{9CFD6E10-F211-44C8-AA63-A91FCE9477BE}"/>
+              </a:ext>
+            </a:extLst>
+          </p:cNvPr>
+          <p:cNvPicPr>
+            <a:picLocks noChangeAspect="1" noChangeArrowheads="1"/>
+          </p:cNvPicPr>
+          <p:nvPr/>
+        </p:nvPicPr>
+        <p:blipFill>
+          <a:blip r:embed="rId2">
+            <a:extLst>
+              <a:ext uri="{28A0092B-C50C-407E-A947-70E740481C1C}">
+                <a14:useLocalDpi xmlns:a14="http://schemas.microsoft.com/office/drawing/2010/main" val="0"/>
+              </a:ext>
+            </a:extLst>
+          </a:blip>
+          <a:srcRect/>
+          <a:stretch>
+            <a:fillRect/>
+          </a:stretch>
+        </p:blipFill>
+        <p:spPr bwMode="auto">
+          <a:xfrm>
+            <a:off x="4281487" y="1316514"/>
+            <a:ext cx="3629025" cy="2514600"/>
+          </a:xfrm>
+          <a:prstGeom prst="rect">
+            <a:avLst/>
+          </a:prstGeom>
+          <a:noFill/>
+          <a:extLst>
+            <a:ext uri="{909E8E84-426E-40DD-AFC4-6F175D3DCCD1}">
+              <a14:hiddenFill xmlns:a14="http://schemas.microsoft.com/office/drawing/2010/main">
+                <a:solidFill>
+                  <a:srgbClr val="FFFFFF"/>
+                </a:solidFill>
+              </a14:hiddenFill>
+            </a:ext>
+          </a:extLst>
+        </p:spPr>
+      </p:pic>
+      <p:pic>
+        <p:nvPicPr>
+          <p:cNvPr id="3076" name="Picture 4">
+            <a:extLst>
+              <a:ext uri="{FF2B5EF4-FFF2-40B4-BE49-F238E27FC236}">
+                <a16:creationId xmlns:a16="http://schemas.microsoft.com/office/drawing/2014/main" id="{44AD2A31-1A8B-4C47-88A9-BC891243D2F7}"/>
+              </a:ext>
+            </a:extLst>
+          </p:cNvPr>
+          <p:cNvPicPr>
+            <a:picLocks noChangeAspect="1" noChangeArrowheads="1"/>
+          </p:cNvPicPr>
+          <p:nvPr/>
+        </p:nvPicPr>
+        <p:blipFill>
+          <a:blip r:embed="rId3">
+            <a:extLst>
+              <a:ext uri="{28A0092B-C50C-407E-A947-70E740481C1C}">
+                <a14:useLocalDpi xmlns:a14="http://schemas.microsoft.com/office/drawing/2010/main" val="0"/>
+              </a:ext>
+            </a:extLst>
+          </a:blip>
+          <a:srcRect/>
+          <a:stretch>
+            <a:fillRect/>
+          </a:stretch>
+        </p:blipFill>
+        <p:spPr bwMode="auto">
+          <a:xfrm>
+            <a:off x="500061" y="1331754"/>
+            <a:ext cx="3629025" cy="2514600"/>
+          </a:xfrm>
+          <a:prstGeom prst="rect">
+            <a:avLst/>
+          </a:prstGeom>
+          <a:noFill/>
+          <a:extLst>
+            <a:ext uri="{909E8E84-426E-40DD-AFC4-6F175D3DCCD1}">
+              <a14:hiddenFill xmlns:a14="http://schemas.microsoft.com/office/drawing/2010/main">
+                <a:solidFill>
+                  <a:srgbClr val="FFFFFF"/>
+                </a:solidFill>
+              </a14:hiddenFill>
+            </a:ext>
+          </a:extLst>
+        </p:spPr>
+      </p:pic>
+      <p:pic>
+        <p:nvPicPr>
+          <p:cNvPr id="3078" name="Picture 6">
+            <a:extLst>
+              <a:ext uri="{FF2B5EF4-FFF2-40B4-BE49-F238E27FC236}">
+                <a16:creationId xmlns:a16="http://schemas.microsoft.com/office/drawing/2014/main" id="{EEFCC4A7-6CCF-4744-9798-5B07CAD5DA12}"/>
+              </a:ext>
+            </a:extLst>
+          </p:cNvPr>
+          <p:cNvPicPr>
+            <a:picLocks noChangeAspect="1" noChangeArrowheads="1"/>
+          </p:cNvPicPr>
+          <p:nvPr/>
+        </p:nvPicPr>
+        <p:blipFill>
+          <a:blip r:embed="rId4">
+            <a:extLst>
+              <a:ext uri="{28A0092B-C50C-407E-A947-70E740481C1C}">
+                <a14:useLocalDpi xmlns:a14="http://schemas.microsoft.com/office/drawing/2010/main" val="0"/>
+              </a:ext>
+            </a:extLst>
+          </a:blip>
+          <a:srcRect/>
+          <a:stretch>
+            <a:fillRect/>
+          </a:stretch>
+        </p:blipFill>
+        <p:spPr bwMode="auto">
+          <a:xfrm>
+            <a:off x="8167292" y="1316514"/>
+            <a:ext cx="3629025" cy="2514600"/>
+          </a:xfrm>
+          <a:prstGeom prst="rect">
+            <a:avLst/>
+          </a:prstGeom>
+          <a:noFill/>
+          <a:extLst>
+            <a:ext uri="{909E8E84-426E-40DD-AFC4-6F175D3DCCD1}">
+              <a14:hiddenFill xmlns:a14="http://schemas.microsoft.com/office/drawing/2010/main">
+                <a:solidFill>
+                  <a:srgbClr val="FFFFFF"/>
+                </a:solidFill>
+              </a14:hiddenFill>
+            </a:ext>
+          </a:extLst>
+        </p:spPr>
+      </p:pic>
+      <p:pic>
+        <p:nvPicPr>
+          <p:cNvPr id="3080" name="Picture 8">
+            <a:extLst>
+              <a:ext uri="{FF2B5EF4-FFF2-40B4-BE49-F238E27FC236}">
+                <a16:creationId xmlns:a16="http://schemas.microsoft.com/office/drawing/2014/main" id="{A76A8026-8750-4EE0-BFAD-2A5CCF5FA600}"/>
+              </a:ext>
+            </a:extLst>
+          </p:cNvPr>
+          <p:cNvPicPr>
+            <a:picLocks noChangeAspect="1" noChangeArrowheads="1"/>
+          </p:cNvPicPr>
+          <p:nvPr/>
+        </p:nvPicPr>
+        <p:blipFill>
+          <a:blip r:embed="rId5">
+            <a:extLst>
+              <a:ext uri="{28A0092B-C50C-407E-A947-70E740481C1C}">
+                <a14:useLocalDpi xmlns:a14="http://schemas.microsoft.com/office/drawing/2010/main" val="0"/>
+              </a:ext>
+            </a:extLst>
+          </a:blip>
+          <a:srcRect/>
+          <a:stretch>
+            <a:fillRect/>
+          </a:stretch>
+        </p:blipFill>
+        <p:spPr bwMode="auto">
+          <a:xfrm>
+            <a:off x="652462" y="3846354"/>
+            <a:ext cx="3629025" cy="2514600"/>
+          </a:xfrm>
+          <a:prstGeom prst="rect">
+            <a:avLst/>
+          </a:prstGeom>
+          <a:noFill/>
+          <a:extLst>
+            <a:ext uri="{909E8E84-426E-40DD-AFC4-6F175D3DCCD1}">
+              <a14:hiddenFill xmlns:a14="http://schemas.microsoft.com/office/drawing/2010/main">
+                <a:solidFill>
+                  <a:srgbClr val="FFFFFF"/>
+                </a:solidFill>
+              </a14:hiddenFill>
+            </a:ext>
+          </a:extLst>
+        </p:spPr>
+      </p:pic>
+      <p:pic>
+        <p:nvPicPr>
+          <p:cNvPr id="3082" name="Picture 10">
+            <a:extLst>
+              <a:ext uri="{FF2B5EF4-FFF2-40B4-BE49-F238E27FC236}">
+                <a16:creationId xmlns:a16="http://schemas.microsoft.com/office/drawing/2014/main" id="{266C4027-61EB-4102-BA8C-0478D8A0AE90}"/>
+              </a:ext>
+            </a:extLst>
+          </p:cNvPr>
+          <p:cNvPicPr>
+            <a:picLocks noChangeAspect="1" noChangeArrowheads="1"/>
+          </p:cNvPicPr>
+          <p:nvPr/>
+        </p:nvPicPr>
+        <p:blipFill>
+          <a:blip r:embed="rId6">
+            <a:extLst>
+              <a:ext uri="{28A0092B-C50C-407E-A947-70E740481C1C}">
+                <a14:useLocalDpi xmlns:a14="http://schemas.microsoft.com/office/drawing/2010/main" val="0"/>
+              </a:ext>
+            </a:extLst>
+          </a:blip>
+          <a:srcRect/>
+          <a:stretch>
+            <a:fillRect/>
+          </a:stretch>
+        </p:blipFill>
+        <p:spPr bwMode="auto">
+          <a:xfrm>
+            <a:off x="4357687" y="3831114"/>
+            <a:ext cx="3629025" cy="2514600"/>
+          </a:xfrm>
+          <a:prstGeom prst="rect">
+            <a:avLst/>
+          </a:prstGeom>
+          <a:noFill/>
+          <a:extLst>
+            <a:ext uri="{909E8E84-426E-40DD-AFC4-6F175D3DCCD1}">
+              <a14:hiddenFill xmlns:a14="http://schemas.microsoft.com/office/drawing/2010/main">
+                <a:solidFill>
+                  <a:srgbClr val="FFFFFF"/>
+                </a:solidFill>
+              </a14:hiddenFill>
+            </a:ext>
+          </a:extLst>
+        </p:spPr>
+      </p:pic>
+      <p:pic>
+        <p:nvPicPr>
+          <p:cNvPr id="3084" name="Picture 12">
+            <a:extLst>
+              <a:ext uri="{FF2B5EF4-FFF2-40B4-BE49-F238E27FC236}">
+                <a16:creationId xmlns:a16="http://schemas.microsoft.com/office/drawing/2014/main" id="{3C3506A0-27A3-4103-BAC2-371343F638B3}"/>
+              </a:ext>
+            </a:extLst>
+          </p:cNvPr>
+          <p:cNvPicPr>
+            <a:picLocks noChangeAspect="1" noChangeArrowheads="1"/>
+          </p:cNvPicPr>
+          <p:nvPr/>
+        </p:nvPicPr>
+        <p:blipFill>
+          <a:blip r:embed="rId7">
+            <a:extLst>
+              <a:ext uri="{28A0092B-C50C-407E-A947-70E740481C1C}">
+                <a14:useLocalDpi xmlns:a14="http://schemas.microsoft.com/office/drawing/2010/main" val="0"/>
+              </a:ext>
+            </a:extLst>
+          </a:blip>
+          <a:srcRect/>
+          <a:stretch>
+            <a:fillRect/>
+          </a:stretch>
+        </p:blipFill>
+        <p:spPr bwMode="auto">
+          <a:xfrm>
+            <a:off x="8062913" y="3831114"/>
+            <a:ext cx="3714750" cy="2514600"/>
+          </a:xfrm>
+          <a:prstGeom prst="rect">
+            <a:avLst/>
+          </a:prstGeom>
+          <a:noFill/>
+          <a:extLst>
+            <a:ext uri="{909E8E84-426E-40DD-AFC4-6F175D3DCCD1}">
+              <a14:hiddenFill xmlns:a14="http://schemas.microsoft.com/office/drawing/2010/main">
+                <a:solidFill>
+                  <a:srgbClr val="FFFFFF"/>
+                </a:solidFill>
+              </a14:hiddenFill>
+            </a:ext>
+          </a:extLst>
+        </p:spPr>
+      </p:pic>
+    </p:spTree>
+    <p:extLst>
+      <p:ext uri="{BB962C8B-B14F-4D97-AF65-F5344CB8AC3E}">
+        <p14:creationId xmlns:p14="http://schemas.microsoft.com/office/powerpoint/2010/main" val="2932750998"/>
+      </p:ext>
+    </p:extLst>
+  </p:cSld>
+  <p:clrMapOvr>
+    <a:masterClrMapping/>
+  </p:clrMapOvr>
+</p:sld>
+</file>
+
+<file path=ppt/slides/slide5.xml><?xml version="1.0" encoding="utf-8"?>
+<p:sld xmlns:a="http://schemas.openxmlformats.org/drawingml/2006/main" xmlns:r="http://schemas.openxmlformats.org/officeDocument/2006/relationships" xmlns:p="http://schemas.openxmlformats.org/presentationml/2006/main">
+  <p:cSld>
+    <p:spTree>
+      <p:nvGrpSpPr>
+        <p:cNvPr id="1" name=""/>
+        <p:cNvGrpSpPr/>
+        <p:nvPr/>
+      </p:nvGrpSpPr>
+      <p:grpSpPr>
+        <a:xfrm>
+          <a:off x="0" y="0"/>
+          <a:ext cx="0" cy="0"/>
+          <a:chOff x="0" y="0"/>
+          <a:chExt cx="0" cy="0"/>
+        </a:xfrm>
+      </p:grpSpPr>
+      <p:sp>
+        <p:nvSpPr>
+          <p:cNvPr id="2" name="Title 1">
+            <a:extLst>
+              <a:ext uri="{FF2B5EF4-FFF2-40B4-BE49-F238E27FC236}">
                 <a16:creationId xmlns:a16="http://schemas.microsoft.com/office/drawing/2014/main" id="{09A90505-6B25-4C0F-8441-4D2AE016AF31}"/>
               </a:ext>
             </a:extLst>
